--- a/Memoria/TFM-Analisis Sentimiento.pptx
+++ b/Memoria/TFM-Analisis Sentimiento.pptx
@@ -5,7 +5,7 @@
     <p:sldMasterId id="2147483648" r:id="rId1"/>
   </p:sldMasterIdLst>
   <p:notesMasterIdLst>
-    <p:notesMasterId r:id="rId15"/>
+    <p:notesMasterId r:id="rId17"/>
   </p:notesMasterIdLst>
   <p:sldIdLst>
     <p:sldId id="277" r:id="rId2"/>
@@ -20,7 +20,9 @@
     <p:sldId id="284" r:id="rId11"/>
     <p:sldId id="288" r:id="rId12"/>
     <p:sldId id="289" r:id="rId13"/>
-    <p:sldId id="273" r:id="rId14"/>
+    <p:sldId id="291" r:id="rId14"/>
+    <p:sldId id="290" r:id="rId15"/>
+    <p:sldId id="273" r:id="rId16"/>
   </p:sldIdLst>
   <p:sldSz cx="12192000" cy="6858000"/>
   <p:notesSz cx="6858000" cy="9144000"/>
@@ -5110,6 +5112,690 @@
 </file>
 
 <file path=ppt/slides/slide13.xml><?xml version="1.0" encoding="utf-8"?>
+<p:sld xmlns:a="http://schemas.openxmlformats.org/drawingml/2006/main" xmlns:r="http://schemas.openxmlformats.org/officeDocument/2006/relationships" xmlns:p="http://schemas.openxmlformats.org/presentationml/2006/main">
+  <p:cSld>
+    <p:spTree>
+      <p:nvGrpSpPr>
+        <p:cNvPr id="1" name=""/>
+        <p:cNvGrpSpPr/>
+        <p:nvPr/>
+      </p:nvGrpSpPr>
+      <p:grpSpPr>
+        <a:xfrm>
+          <a:off x="0" y="0"/>
+          <a:ext cx="0" cy="0"/>
+          <a:chOff x="0" y="0"/>
+          <a:chExt cx="0" cy="0"/>
+        </a:xfrm>
+      </p:grpSpPr>
+      <p:cxnSp>
+        <p:nvCxnSpPr>
+          <p:cNvPr id="13" name="Conector recto 12"/>
+          <p:cNvCxnSpPr/>
+          <p:nvPr/>
+        </p:nvCxnSpPr>
+        <p:spPr>
+          <a:xfrm>
+            <a:off x="0" y="42040"/>
+            <a:ext cx="12192000" cy="0"/>
+          </a:xfrm>
+          <a:prstGeom prst="line">
+            <a:avLst/>
+          </a:prstGeom>
+          <a:ln w="98425">
+            <a:solidFill>
+              <a:schemeClr val="accent4">
+                <a:lumMod val="60000"/>
+                <a:lumOff val="40000"/>
+              </a:schemeClr>
+            </a:solidFill>
+          </a:ln>
+        </p:spPr>
+        <p:style>
+          <a:lnRef idx="1">
+            <a:schemeClr val="accent1"/>
+          </a:lnRef>
+          <a:fillRef idx="0">
+            <a:schemeClr val="accent1"/>
+          </a:fillRef>
+          <a:effectRef idx="0">
+            <a:schemeClr val="accent1"/>
+          </a:effectRef>
+          <a:fontRef idx="minor">
+            <a:schemeClr val="tx1"/>
+          </a:fontRef>
+        </p:style>
+      </p:cxnSp>
+      <p:sp>
+        <p:nvSpPr>
+          <p:cNvPr id="2" name="CuadroTexto 1"/>
+          <p:cNvSpPr txBox="1"/>
+          <p:nvPr/>
+        </p:nvSpPr>
+        <p:spPr>
+          <a:xfrm>
+            <a:off x="1124608" y="504497"/>
+            <a:ext cx="5696606" cy="2169825"/>
+          </a:xfrm>
+          <a:prstGeom prst="rect">
+            <a:avLst/>
+          </a:prstGeom>
+          <a:noFill/>
+        </p:spPr>
+        <p:txBody>
+          <a:bodyPr wrap="square" rtlCol="0">
+            <a:spAutoFit/>
+          </a:bodyPr>
+          <a:lstStyle/>
+          <a:p>
+            <a:r>
+              <a:rPr lang="es-ES" sz="13500" dirty="0" smtClean="0"/>
+              <a:t>04</a:t>
+            </a:r>
+            <a:endParaRPr lang="es-ES" sz="13500" dirty="0"/>
+          </a:p>
+        </p:txBody>
+      </p:sp>
+      <p:sp>
+        <p:nvSpPr>
+          <p:cNvPr id="4" name="Espace réservé du texte 2">
+            <a:extLst>
+              <a:ext uri="{FF2B5EF4-FFF2-40B4-BE49-F238E27FC236}">
+                <a16:creationId xmlns:a16="http://schemas.microsoft.com/office/drawing/2014/main" id="{31DFA70B-34D4-4D7E-8D44-380743E2A699}"/>
+              </a:ext>
+            </a:extLst>
+          </p:cNvPr>
+          <p:cNvSpPr txBox="1">
+            <a:spLocks/>
+          </p:cNvSpPr>
+          <p:nvPr/>
+        </p:nvSpPr>
+        <p:spPr>
+          <a:xfrm>
+            <a:off x="1124607" y="2461209"/>
+            <a:ext cx="5553283" cy="783582"/>
+          </a:xfrm>
+          <a:prstGeom prst="rect">
+            <a:avLst/>
+          </a:prstGeom>
+        </p:spPr>
+        <p:txBody>
+          <a:bodyPr vert="horz" lIns="91440" tIns="45720" rIns="91440" bIns="45720" rtlCol="0">
+            <a:normAutofit/>
+          </a:bodyPr>
+          <a:lstStyle>
+            <a:lvl1pPr marL="0" indent="0" algn="ctr" defTabSz="914400" rtl="0" eaLnBrk="1" latinLnBrk="0" hangingPunct="1">
+              <a:lnSpc>
+                <a:spcPct val="90000"/>
+              </a:lnSpc>
+              <a:spcBef>
+                <a:spcPts val="1000"/>
+              </a:spcBef>
+              <a:buFont typeface="Arial" panose="020B0604020202020204" pitchFamily="34" charset="0"/>
+              <a:buNone/>
+              <a:defRPr sz="2400" kern="1200">
+                <a:solidFill>
+                  <a:schemeClr val="tx1"/>
+                </a:solidFill>
+                <a:latin typeface="+mn-lt"/>
+                <a:ea typeface="+mn-ea"/>
+                <a:cs typeface="+mn-cs"/>
+              </a:defRPr>
+            </a:lvl1pPr>
+            <a:lvl2pPr marL="457200" indent="0" algn="ctr" defTabSz="914400" rtl="0" eaLnBrk="1" latinLnBrk="0" hangingPunct="1">
+              <a:lnSpc>
+                <a:spcPct val="90000"/>
+              </a:lnSpc>
+              <a:spcBef>
+                <a:spcPts val="500"/>
+              </a:spcBef>
+              <a:buFont typeface="Arial" panose="020B0604020202020204" pitchFamily="34" charset="0"/>
+              <a:buNone/>
+              <a:defRPr sz="2000" kern="1200">
+                <a:solidFill>
+                  <a:schemeClr val="tx1"/>
+                </a:solidFill>
+                <a:latin typeface="+mn-lt"/>
+                <a:ea typeface="+mn-ea"/>
+                <a:cs typeface="+mn-cs"/>
+              </a:defRPr>
+            </a:lvl2pPr>
+            <a:lvl3pPr marL="914400" indent="0" algn="ctr" defTabSz="914400" rtl="0" eaLnBrk="1" latinLnBrk="0" hangingPunct="1">
+              <a:lnSpc>
+                <a:spcPct val="90000"/>
+              </a:lnSpc>
+              <a:spcBef>
+                <a:spcPts val="500"/>
+              </a:spcBef>
+              <a:buFont typeface="Arial" panose="020B0604020202020204" pitchFamily="34" charset="0"/>
+              <a:buNone/>
+              <a:defRPr sz="1800" kern="1200">
+                <a:solidFill>
+                  <a:schemeClr val="tx1"/>
+                </a:solidFill>
+                <a:latin typeface="+mn-lt"/>
+                <a:ea typeface="+mn-ea"/>
+                <a:cs typeface="+mn-cs"/>
+              </a:defRPr>
+            </a:lvl3pPr>
+            <a:lvl4pPr marL="1371600" indent="0" algn="ctr" defTabSz="914400" rtl="0" eaLnBrk="1" latinLnBrk="0" hangingPunct="1">
+              <a:lnSpc>
+                <a:spcPct val="90000"/>
+              </a:lnSpc>
+              <a:spcBef>
+                <a:spcPts val="500"/>
+              </a:spcBef>
+              <a:buFont typeface="Arial" panose="020B0604020202020204" pitchFamily="34" charset="0"/>
+              <a:buNone/>
+              <a:defRPr sz="1600" kern="1200">
+                <a:solidFill>
+                  <a:schemeClr val="tx1"/>
+                </a:solidFill>
+                <a:latin typeface="+mn-lt"/>
+                <a:ea typeface="+mn-ea"/>
+                <a:cs typeface="+mn-cs"/>
+              </a:defRPr>
+            </a:lvl4pPr>
+            <a:lvl5pPr marL="1828800" indent="0" algn="ctr" defTabSz="914400" rtl="0" eaLnBrk="1" latinLnBrk="0" hangingPunct="1">
+              <a:lnSpc>
+                <a:spcPct val="90000"/>
+              </a:lnSpc>
+              <a:spcBef>
+                <a:spcPts val="500"/>
+              </a:spcBef>
+              <a:buFont typeface="Arial" panose="020B0604020202020204" pitchFamily="34" charset="0"/>
+              <a:buNone/>
+              <a:defRPr sz="1600" kern="1200">
+                <a:solidFill>
+                  <a:schemeClr val="tx1"/>
+                </a:solidFill>
+                <a:latin typeface="+mn-lt"/>
+                <a:ea typeface="+mn-ea"/>
+                <a:cs typeface="+mn-cs"/>
+              </a:defRPr>
+            </a:lvl5pPr>
+            <a:lvl6pPr marL="2286000" indent="0" algn="ctr" defTabSz="914400" rtl="0" eaLnBrk="1" latinLnBrk="0" hangingPunct="1">
+              <a:lnSpc>
+                <a:spcPct val="90000"/>
+              </a:lnSpc>
+              <a:spcBef>
+                <a:spcPts val="500"/>
+              </a:spcBef>
+              <a:buFont typeface="Arial" panose="020B0604020202020204" pitchFamily="34" charset="0"/>
+              <a:buNone/>
+              <a:defRPr sz="1600" kern="1200">
+                <a:solidFill>
+                  <a:schemeClr val="tx1"/>
+                </a:solidFill>
+                <a:latin typeface="+mn-lt"/>
+                <a:ea typeface="+mn-ea"/>
+                <a:cs typeface="+mn-cs"/>
+              </a:defRPr>
+            </a:lvl6pPr>
+            <a:lvl7pPr marL="2743200" indent="0" algn="ctr" defTabSz="914400" rtl="0" eaLnBrk="1" latinLnBrk="0" hangingPunct="1">
+              <a:lnSpc>
+                <a:spcPct val="90000"/>
+              </a:lnSpc>
+              <a:spcBef>
+                <a:spcPts val="500"/>
+              </a:spcBef>
+              <a:buFont typeface="Arial" panose="020B0604020202020204" pitchFamily="34" charset="0"/>
+              <a:buNone/>
+              <a:defRPr sz="1600" kern="1200">
+                <a:solidFill>
+                  <a:schemeClr val="tx1"/>
+                </a:solidFill>
+                <a:latin typeface="+mn-lt"/>
+                <a:ea typeface="+mn-ea"/>
+                <a:cs typeface="+mn-cs"/>
+              </a:defRPr>
+            </a:lvl7pPr>
+            <a:lvl8pPr marL="3200400" indent="0" algn="ctr" defTabSz="914400" rtl="0" eaLnBrk="1" latinLnBrk="0" hangingPunct="1">
+              <a:lnSpc>
+                <a:spcPct val="90000"/>
+              </a:lnSpc>
+              <a:spcBef>
+                <a:spcPts val="500"/>
+              </a:spcBef>
+              <a:buFont typeface="Arial" panose="020B0604020202020204" pitchFamily="34" charset="0"/>
+              <a:buNone/>
+              <a:defRPr sz="1600" kern="1200">
+                <a:solidFill>
+                  <a:schemeClr val="tx1"/>
+                </a:solidFill>
+                <a:latin typeface="+mn-lt"/>
+                <a:ea typeface="+mn-ea"/>
+                <a:cs typeface="+mn-cs"/>
+              </a:defRPr>
+            </a:lvl8pPr>
+            <a:lvl9pPr marL="3657600" indent="0" algn="ctr" defTabSz="914400" rtl="0" eaLnBrk="1" latinLnBrk="0" hangingPunct="1">
+              <a:lnSpc>
+                <a:spcPct val="90000"/>
+              </a:lnSpc>
+              <a:spcBef>
+                <a:spcPts val="500"/>
+              </a:spcBef>
+              <a:buFont typeface="Arial" panose="020B0604020202020204" pitchFamily="34" charset="0"/>
+              <a:buNone/>
+              <a:defRPr sz="1600" kern="1200">
+                <a:solidFill>
+                  <a:schemeClr val="tx1"/>
+                </a:solidFill>
+                <a:latin typeface="+mn-lt"/>
+                <a:ea typeface="+mn-ea"/>
+                <a:cs typeface="+mn-cs"/>
+              </a:defRPr>
+            </a:lvl9pPr>
+          </a:lstStyle>
+          <a:p>
+            <a:pPr algn="l"/>
+            <a:r>
+              <a:rPr lang="es-ES" sz="3600" b="1" dirty="0" smtClean="0"/>
+              <a:t>IMPLANTACIÓN</a:t>
+            </a:r>
+            <a:endParaRPr lang="es-ES" sz="3600" b="1" dirty="0"/>
+          </a:p>
+        </p:txBody>
+      </p:sp>
+    </p:spTree>
+    <p:extLst>
+      <p:ext uri="{BB962C8B-B14F-4D97-AF65-F5344CB8AC3E}">
+        <p14:creationId xmlns:p14="http://schemas.microsoft.com/office/powerpoint/2010/main" val="794822107"/>
+      </p:ext>
+    </p:extLst>
+  </p:cSld>
+  <p:clrMapOvr>
+    <a:masterClrMapping/>
+  </p:clrMapOvr>
+  <p:timing>
+    <p:tnLst>
+      <p:par>
+        <p:cTn id="1" dur="indefinite" restart="never" nodeType="tmRoot"/>
+      </p:par>
+    </p:tnLst>
+  </p:timing>
+</p:sld>
+</file>
+
+<file path=ppt/slides/slide14.xml><?xml version="1.0" encoding="utf-8"?>
+<p:sld xmlns:a="http://schemas.openxmlformats.org/drawingml/2006/main" xmlns:r="http://schemas.openxmlformats.org/officeDocument/2006/relationships" xmlns:p="http://schemas.openxmlformats.org/presentationml/2006/main">
+  <p:cSld>
+    <p:spTree>
+      <p:nvGrpSpPr>
+        <p:cNvPr id="1" name=""/>
+        <p:cNvGrpSpPr/>
+        <p:nvPr/>
+      </p:nvGrpSpPr>
+      <p:grpSpPr>
+        <a:xfrm>
+          <a:off x="0" y="0"/>
+          <a:ext cx="0" cy="0"/>
+          <a:chOff x="0" y="0"/>
+          <a:chExt cx="0" cy="0"/>
+        </a:xfrm>
+      </p:grpSpPr>
+      <p:cxnSp>
+        <p:nvCxnSpPr>
+          <p:cNvPr id="13" name="Conector recto 12"/>
+          <p:cNvCxnSpPr/>
+          <p:nvPr/>
+        </p:nvCxnSpPr>
+        <p:spPr>
+          <a:xfrm>
+            <a:off x="0" y="42040"/>
+            <a:ext cx="12192000" cy="0"/>
+          </a:xfrm>
+          <a:prstGeom prst="line">
+            <a:avLst/>
+          </a:prstGeom>
+          <a:ln w="98425">
+            <a:solidFill>
+              <a:schemeClr val="accent4">
+                <a:lumMod val="60000"/>
+                <a:lumOff val="40000"/>
+              </a:schemeClr>
+            </a:solidFill>
+          </a:ln>
+        </p:spPr>
+        <p:style>
+          <a:lnRef idx="1">
+            <a:schemeClr val="accent1"/>
+          </a:lnRef>
+          <a:fillRef idx="0">
+            <a:schemeClr val="accent1"/>
+          </a:fillRef>
+          <a:effectRef idx="0">
+            <a:schemeClr val="accent1"/>
+          </a:effectRef>
+          <a:fontRef idx="minor">
+            <a:schemeClr val="tx1"/>
+          </a:fontRef>
+        </p:style>
+      </p:cxnSp>
+      <p:sp>
+        <p:nvSpPr>
+          <p:cNvPr id="12" name="CuadroTexto 11"/>
+          <p:cNvSpPr txBox="1"/>
+          <p:nvPr/>
+        </p:nvSpPr>
+        <p:spPr>
+          <a:xfrm>
+            <a:off x="651643" y="496704"/>
+            <a:ext cx="5499775" cy="523220"/>
+          </a:xfrm>
+          <a:prstGeom prst="rect">
+            <a:avLst/>
+          </a:prstGeom>
+          <a:noFill/>
+        </p:spPr>
+        <p:txBody>
+          <a:bodyPr wrap="square" rtlCol="0">
+            <a:spAutoFit/>
+          </a:bodyPr>
+          <a:lstStyle/>
+          <a:p>
+            <a:r>
+              <a:rPr lang="es-ES" sz="2800" b="1" dirty="0" smtClean="0"/>
+              <a:t>IMPLANTACIÓN</a:t>
+            </a:r>
+            <a:endParaRPr lang="es-ES" sz="2800" b="1" dirty="0"/>
+          </a:p>
+        </p:txBody>
+      </p:sp>
+      <p:sp>
+        <p:nvSpPr>
+          <p:cNvPr id="2" name="Rectángulo 1"/>
+          <p:cNvSpPr/>
+          <p:nvPr/>
+        </p:nvSpPr>
+        <p:spPr>
+          <a:xfrm>
+            <a:off x="490871" y="564488"/>
+            <a:ext cx="164309" cy="387651"/>
+          </a:xfrm>
+          <a:prstGeom prst="rect">
+            <a:avLst/>
+          </a:prstGeom>
+          <a:solidFill>
+            <a:schemeClr val="accent4">
+              <a:lumMod val="60000"/>
+              <a:lumOff val="40000"/>
+            </a:schemeClr>
+          </a:solidFill>
+          <a:ln>
+            <a:solidFill>
+              <a:schemeClr val="accent4">
+                <a:lumMod val="60000"/>
+                <a:lumOff val="40000"/>
+              </a:schemeClr>
+            </a:solidFill>
+          </a:ln>
+        </p:spPr>
+        <p:style>
+          <a:lnRef idx="2">
+            <a:schemeClr val="accent1">
+              <a:shade val="50000"/>
+            </a:schemeClr>
+          </a:lnRef>
+          <a:fillRef idx="1">
+            <a:schemeClr val="accent1"/>
+          </a:fillRef>
+          <a:effectRef idx="0">
+            <a:schemeClr val="accent1"/>
+          </a:effectRef>
+          <a:fontRef idx="minor">
+            <a:schemeClr val="lt1"/>
+          </a:fontRef>
+        </p:style>
+        <p:txBody>
+          <a:bodyPr rtlCol="0" anchor="ctr"/>
+          <a:lstStyle/>
+          <a:p>
+            <a:pPr algn="ctr"/>
+            <a:endParaRPr lang="es-ES"/>
+          </a:p>
+        </p:txBody>
+      </p:sp>
+      <p:pic>
+        <p:nvPicPr>
+          <p:cNvPr id="9" name="Imagen 8"/>
+          <p:cNvPicPr>
+            <a:picLocks noChangeAspect="1"/>
+          </p:cNvPicPr>
+          <p:nvPr/>
+        </p:nvPicPr>
+        <p:blipFill>
+          <a:blip r:embed="rId2"/>
+          <a:stretch>
+            <a:fillRect/>
+          </a:stretch>
+        </p:blipFill>
+        <p:spPr>
+          <a:xfrm>
+            <a:off x="5476670" y="6193686"/>
+            <a:ext cx="1238657" cy="374618"/>
+          </a:xfrm>
+          <a:prstGeom prst="rect">
+            <a:avLst/>
+          </a:prstGeom>
+        </p:spPr>
+      </p:pic>
+      <p:sp>
+        <p:nvSpPr>
+          <p:cNvPr id="16" name="CuadroTexto 15"/>
+          <p:cNvSpPr txBox="1"/>
+          <p:nvPr/>
+        </p:nvSpPr>
+        <p:spPr>
+          <a:xfrm>
+            <a:off x="651643" y="1244057"/>
+            <a:ext cx="7760837" cy="1631216"/>
+          </a:xfrm>
+          <a:prstGeom prst="rect">
+            <a:avLst/>
+          </a:prstGeom>
+          <a:noFill/>
+        </p:spPr>
+        <p:txBody>
+          <a:bodyPr wrap="square" rtlCol="0">
+            <a:spAutoFit/>
+          </a:bodyPr>
+          <a:lstStyle/>
+          <a:p>
+            <a:r>
+              <a:rPr lang="es-ES" sz="2000" b="1" dirty="0" smtClean="0"/>
+              <a:t>Puesta en Sistema Productivo</a:t>
+            </a:r>
+          </a:p>
+          <a:p>
+            <a:endParaRPr lang="es-ES" sz="2000" b="1" dirty="0"/>
+          </a:p>
+          <a:p>
+            <a:endParaRPr lang="es-ES" sz="2000" b="1" dirty="0" smtClean="0"/>
+          </a:p>
+          <a:p>
+            <a:endParaRPr lang="es-ES" sz="2000" b="1" dirty="0"/>
+          </a:p>
+          <a:p>
+            <a:endParaRPr lang="es-ES" sz="2000" b="1" dirty="0" smtClean="0"/>
+          </a:p>
+        </p:txBody>
+      </p:sp>
+      <p:sp>
+        <p:nvSpPr>
+          <p:cNvPr id="11" name="CuadroTexto 10"/>
+          <p:cNvSpPr txBox="1"/>
+          <p:nvPr/>
+        </p:nvSpPr>
+        <p:spPr>
+          <a:xfrm>
+            <a:off x="651643" y="1710921"/>
+            <a:ext cx="4733157" cy="3293209"/>
+          </a:xfrm>
+          <a:prstGeom prst="rect">
+            <a:avLst/>
+          </a:prstGeom>
+          <a:noFill/>
+        </p:spPr>
+        <p:txBody>
+          <a:bodyPr wrap="square" rtlCol="0">
+            <a:spAutoFit/>
+          </a:bodyPr>
+          <a:lstStyle/>
+          <a:p>
+            <a:pPr marL="285750" indent="-285750">
+              <a:buFont typeface="Arial" panose="020B0604020202020204" pitchFamily="34" charset="0"/>
+              <a:buChar char="•"/>
+            </a:pPr>
+            <a:r>
+              <a:rPr lang="es-ES" sz="1600" dirty="0" smtClean="0"/>
+              <a:t>Los tiempos de ejecución en máquina son los siguientes:</a:t>
+            </a:r>
+          </a:p>
+          <a:p>
+            <a:pPr marL="742950" lvl="1" indent="-285750">
+              <a:buFont typeface="Arial" panose="020B0604020202020204" pitchFamily="34" charset="0"/>
+              <a:buChar char="•"/>
+            </a:pPr>
+            <a:r>
+              <a:rPr lang="es-ES" sz="1600" dirty="0" smtClean="0"/>
+              <a:t>Modo Online</a:t>
+            </a:r>
+          </a:p>
+          <a:p>
+            <a:pPr marL="1200150" lvl="2" indent="-285750">
+              <a:buFont typeface="Arial" panose="020B0604020202020204" pitchFamily="34" charset="0"/>
+              <a:buChar char="•"/>
+            </a:pPr>
+            <a:r>
+              <a:rPr lang="es-ES" sz="1600" dirty="0" smtClean="0"/>
+              <a:t>Un día: 6min</a:t>
+            </a:r>
+          </a:p>
+          <a:p>
+            <a:pPr marL="1200150" lvl="2" indent="-285750">
+              <a:buFont typeface="Arial" panose="020B0604020202020204" pitchFamily="34" charset="0"/>
+              <a:buChar char="•"/>
+            </a:pPr>
+            <a:r>
+              <a:rPr lang="es-ES" sz="1600" dirty="0" smtClean="0"/>
+              <a:t>Un mes: 53min</a:t>
+            </a:r>
+          </a:p>
+          <a:p>
+            <a:pPr marL="1200150" lvl="2" indent="-285750">
+              <a:buFont typeface="Arial" panose="020B0604020202020204" pitchFamily="34" charset="0"/>
+              <a:buChar char="•"/>
+            </a:pPr>
+            <a:r>
+              <a:rPr lang="es-ES" sz="1600" dirty="0" smtClean="0"/>
+              <a:t>&gt; 6 meses: &gt; 7h</a:t>
+            </a:r>
+          </a:p>
+          <a:p>
+            <a:pPr marL="742950" lvl="1" indent="-285750">
+              <a:buFont typeface="Arial" panose="020B0604020202020204" pitchFamily="34" charset="0"/>
+              <a:buChar char="•"/>
+            </a:pPr>
+            <a:r>
+              <a:rPr lang="es-ES" sz="1600" dirty="0" smtClean="0"/>
+              <a:t>Modo Offline</a:t>
+            </a:r>
+          </a:p>
+          <a:p>
+            <a:pPr marL="1200150" lvl="2" indent="-285750">
+              <a:buFont typeface="Arial" panose="020B0604020202020204" pitchFamily="34" charset="0"/>
+              <a:buChar char="•"/>
+            </a:pPr>
+            <a:r>
+              <a:rPr lang="es-ES" sz="1600" dirty="0" smtClean="0"/>
+              <a:t>Un mes: 34min</a:t>
+            </a:r>
+          </a:p>
+          <a:p>
+            <a:pPr marL="285750" indent="-285750">
+              <a:buFont typeface="Arial" panose="020B0604020202020204" pitchFamily="34" charset="0"/>
+              <a:buChar char="•"/>
+            </a:pPr>
+            <a:r>
+              <a:rPr lang="es-ES" sz="1600" dirty="0" smtClean="0"/>
+              <a:t>Se puede poner en ejecución en una ventana offline mediante un proceso </a:t>
+            </a:r>
+            <a:r>
+              <a:rPr lang="es-ES" sz="1600" dirty="0" err="1" smtClean="0"/>
+              <a:t>batch</a:t>
+            </a:r>
+            <a:r>
+              <a:rPr lang="es-ES" sz="1600" dirty="0" smtClean="0"/>
+              <a:t> nocturno para disponer al día siguiente de los datos actualizar a primera hora de la mañana</a:t>
+            </a:r>
+          </a:p>
+          <a:p>
+            <a:pPr marL="742950" lvl="1" indent="-285750">
+              <a:buFont typeface="Arial" panose="020B0604020202020204" pitchFamily="34" charset="0"/>
+              <a:buChar char="•"/>
+            </a:pPr>
+            <a:r>
+              <a:rPr lang="es-ES" sz="1600" dirty="0" smtClean="0"/>
+              <a:t>Proceso </a:t>
+            </a:r>
+            <a:r>
+              <a:rPr lang="es-ES" sz="1600" dirty="0" err="1" smtClean="0"/>
+              <a:t>batch</a:t>
+            </a:r>
+            <a:r>
+              <a:rPr lang="es-ES" sz="1600" dirty="0" smtClean="0"/>
+              <a:t>: Datos a N-1.</a:t>
+            </a:r>
+            <a:endParaRPr lang="es-ES" sz="1600" dirty="0"/>
+          </a:p>
+        </p:txBody>
+      </p:sp>
+      <p:pic>
+        <p:nvPicPr>
+          <p:cNvPr id="4" name="Imagen 3"/>
+          <p:cNvPicPr>
+            <a:picLocks noChangeAspect="1"/>
+          </p:cNvPicPr>
+          <p:nvPr/>
+        </p:nvPicPr>
+        <p:blipFill>
+          <a:blip r:embed="rId3"/>
+          <a:stretch>
+            <a:fillRect/>
+          </a:stretch>
+        </p:blipFill>
+        <p:spPr>
+          <a:xfrm>
+            <a:off x="5121547" y="1196649"/>
+            <a:ext cx="7070453" cy="4321752"/>
+          </a:xfrm>
+          <a:prstGeom prst="rect">
+            <a:avLst/>
+          </a:prstGeom>
+        </p:spPr>
+      </p:pic>
+    </p:spTree>
+    <p:extLst>
+      <p:ext uri="{BB962C8B-B14F-4D97-AF65-F5344CB8AC3E}">
+        <p14:creationId xmlns:p14="http://schemas.microsoft.com/office/powerpoint/2010/main" val="2949112079"/>
+      </p:ext>
+    </p:extLst>
+  </p:cSld>
+  <p:clrMapOvr>
+    <a:masterClrMapping/>
+  </p:clrMapOvr>
+  <p:timing>
+    <p:tnLst>
+      <p:par>
+        <p:cTn id="1" dur="indefinite" restart="never" nodeType="tmRoot"/>
+      </p:par>
+    </p:tnLst>
+  </p:timing>
+</p:sld>
+</file>
+
+<file path=ppt/slides/slide15.xml><?xml version="1.0" encoding="utf-8"?>
 <p:sld xmlns:a="http://schemas.openxmlformats.org/drawingml/2006/main" xmlns:r="http://schemas.openxmlformats.org/officeDocument/2006/relationships" xmlns:p="http://schemas.openxmlformats.org/presentationml/2006/main">
   <p:cSld>
     <p:bg>

--- a/Memoria/TFM-Analisis Sentimiento.pptx
+++ b/Memoria/TFM-Analisis Sentimiento.pptx
@@ -223,7 +223,7 @@
           <a:p>
             <a:fld id="{FD191DFF-85EA-457B-8022-0E340D217B12}" type="datetimeFigureOut">
               <a:rPr lang="es-ES" smtClean="0"/>
-              <a:t>22/08/2020</a:t>
+              <a:t>01/09/2020</a:t>
             </a:fld>
             <a:endParaRPr lang="es-ES"/>
           </a:p>
@@ -622,7 +622,7 @@
           <a:p>
             <a:fld id="{0A2BC9E5-68C6-47CD-84E0-8AFA032363F6}" type="datetimeFigureOut">
               <a:rPr lang="es-ES" smtClean="0"/>
-              <a:t>22/08/2020</a:t>
+              <a:t>01/09/2020</a:t>
             </a:fld>
             <a:endParaRPr lang="es-ES"/>
           </a:p>
@@ -792,7 +792,7 @@
           <a:p>
             <a:fld id="{0A2BC9E5-68C6-47CD-84E0-8AFA032363F6}" type="datetimeFigureOut">
               <a:rPr lang="es-ES" smtClean="0"/>
-              <a:t>22/08/2020</a:t>
+              <a:t>01/09/2020</a:t>
             </a:fld>
             <a:endParaRPr lang="es-ES"/>
           </a:p>
@@ -972,7 +972,7 @@
           <a:p>
             <a:fld id="{0A2BC9E5-68C6-47CD-84E0-8AFA032363F6}" type="datetimeFigureOut">
               <a:rPr lang="es-ES" smtClean="0"/>
-              <a:t>22/08/2020</a:t>
+              <a:t>01/09/2020</a:t>
             </a:fld>
             <a:endParaRPr lang="es-ES"/>
           </a:p>
@@ -1142,7 +1142,7 @@
           <a:p>
             <a:fld id="{0A2BC9E5-68C6-47CD-84E0-8AFA032363F6}" type="datetimeFigureOut">
               <a:rPr lang="es-ES" smtClean="0"/>
-              <a:t>22/08/2020</a:t>
+              <a:t>01/09/2020</a:t>
             </a:fld>
             <a:endParaRPr lang="es-ES"/>
           </a:p>
@@ -1388,7 +1388,7 @@
           <a:p>
             <a:fld id="{0A2BC9E5-68C6-47CD-84E0-8AFA032363F6}" type="datetimeFigureOut">
               <a:rPr lang="es-ES" smtClean="0"/>
-              <a:t>22/08/2020</a:t>
+              <a:t>01/09/2020</a:t>
             </a:fld>
             <a:endParaRPr lang="es-ES"/>
           </a:p>
@@ -1620,7 +1620,7 @@
           <a:p>
             <a:fld id="{0A2BC9E5-68C6-47CD-84E0-8AFA032363F6}" type="datetimeFigureOut">
               <a:rPr lang="es-ES" smtClean="0"/>
-              <a:t>22/08/2020</a:t>
+              <a:t>01/09/2020</a:t>
             </a:fld>
             <a:endParaRPr lang="es-ES"/>
           </a:p>
@@ -1987,7 +1987,7 @@
           <a:p>
             <a:fld id="{0A2BC9E5-68C6-47CD-84E0-8AFA032363F6}" type="datetimeFigureOut">
               <a:rPr lang="es-ES" smtClean="0"/>
-              <a:t>22/08/2020</a:t>
+              <a:t>01/09/2020</a:t>
             </a:fld>
             <a:endParaRPr lang="es-ES"/>
           </a:p>
@@ -2105,7 +2105,7 @@
           <a:p>
             <a:fld id="{0A2BC9E5-68C6-47CD-84E0-8AFA032363F6}" type="datetimeFigureOut">
               <a:rPr lang="es-ES" smtClean="0"/>
-              <a:t>22/08/2020</a:t>
+              <a:t>01/09/2020</a:t>
             </a:fld>
             <a:endParaRPr lang="es-ES"/>
           </a:p>
@@ -2200,7 +2200,7 @@
           <a:p>
             <a:fld id="{0A2BC9E5-68C6-47CD-84E0-8AFA032363F6}" type="datetimeFigureOut">
               <a:rPr lang="es-ES" smtClean="0"/>
-              <a:t>22/08/2020</a:t>
+              <a:t>01/09/2020</a:t>
             </a:fld>
             <a:endParaRPr lang="es-ES"/>
           </a:p>
@@ -2477,7 +2477,7 @@
           <a:p>
             <a:fld id="{0A2BC9E5-68C6-47CD-84E0-8AFA032363F6}" type="datetimeFigureOut">
               <a:rPr lang="es-ES" smtClean="0"/>
-              <a:t>22/08/2020</a:t>
+              <a:t>01/09/2020</a:t>
             </a:fld>
             <a:endParaRPr lang="es-ES"/>
           </a:p>
@@ -2730,7 +2730,7 @@
           <a:p>
             <a:fld id="{0A2BC9E5-68C6-47CD-84E0-8AFA032363F6}" type="datetimeFigureOut">
               <a:rPr lang="es-ES" smtClean="0"/>
-              <a:t>22/08/2020</a:t>
+              <a:t>01/09/2020</a:t>
             </a:fld>
             <a:endParaRPr lang="es-ES"/>
           </a:p>
@@ -2943,7 +2943,7 @@
           <a:p>
             <a:fld id="{0A2BC9E5-68C6-47CD-84E0-8AFA032363F6}" type="datetimeFigureOut">
               <a:rPr lang="es-ES" smtClean="0"/>
-              <a:t>22/08/2020</a:t>
+              <a:t>01/09/2020</a:t>
             </a:fld>
             <a:endParaRPr lang="es-ES"/>
           </a:p>
@@ -3595,15 +3595,7 @@
             </a:pPr>
             <a:r>
               <a:rPr lang="en-GB" sz="2000" b="1" dirty="0" smtClean="0"/>
-              <a:t>MADRID, </a:t>
-            </a:r>
-            <a:r>
-              <a:rPr lang="en-GB" sz="2000" b="1" dirty="0" smtClean="0"/>
-              <a:t>SEPTIEMBRE </a:t>
-            </a:r>
-            <a:r>
-              <a:rPr lang="en-GB" sz="2000" b="1" dirty="0" smtClean="0"/>
-              <a:t>2020</a:t>
+              <a:t>MADRID, SEPTIEMBRE 2020</a:t>
             </a:r>
             <a:endParaRPr lang="en-GB" sz="2000" b="1" dirty="0"/>
           </a:p>
@@ -4624,7 +4616,15 @@
             </a:pPr>
             <a:r>
               <a:rPr lang="es-ES" sz="1600" dirty="0" smtClean="0"/>
-              <a:t>Coordinación del Dpto. Marketing.</a:t>
+              <a:t>Coordinación </a:t>
+            </a:r>
+            <a:r>
+              <a:rPr lang="es-ES" sz="1600" dirty="0" smtClean="0"/>
+              <a:t>con el </a:t>
+            </a:r>
+            <a:r>
+              <a:rPr lang="es-ES" sz="1600" dirty="0" smtClean="0"/>
+              <a:t>Dpto. Marketing.</a:t>
             </a:r>
           </a:p>
           <a:p>
@@ -5629,8 +5629,8 @@
         </p:nvSpPr>
         <p:spPr>
           <a:xfrm>
-            <a:off x="651643" y="1710921"/>
-            <a:ext cx="4733157" cy="3293209"/>
+            <a:off x="490871" y="1710921"/>
+            <a:ext cx="4985799" cy="4770537"/>
           </a:xfrm>
           <a:prstGeom prst="rect">
             <a:avLst/>
@@ -5719,7 +5719,21 @@
             </a:pPr>
             <a:r>
               <a:rPr lang="es-ES" sz="1600" dirty="0" smtClean="0"/>
-              <a:t>Se puede poner en ejecución en una ventana offline mediante un proceso </a:t>
+              <a:t>Opciones:</a:t>
+            </a:r>
+          </a:p>
+          <a:p>
+            <a:pPr marL="742950" lvl="1" indent="-285750">
+              <a:buFont typeface="Arial" panose="020B0604020202020204" pitchFamily="34" charset="0"/>
+              <a:buChar char="•"/>
+            </a:pPr>
+            <a:r>
+              <a:rPr lang="es-ES" sz="1600" dirty="0" smtClean="0"/>
+              <a:t>Ejecución </a:t>
+            </a:r>
+            <a:r>
+              <a:rPr lang="es-ES" sz="1600" dirty="0" smtClean="0"/>
+              <a:t>en una ventana offline mediante un proceso </a:t>
             </a:r>
             <a:r>
               <a:rPr lang="es-ES" sz="1600" dirty="0" err="1" smtClean="0"/>
@@ -5731,7 +5745,7 @@
             </a:r>
           </a:p>
           <a:p>
-            <a:pPr marL="742950" lvl="1" indent="-285750">
+            <a:pPr marL="1200150" lvl="2" indent="-285750">
               <a:buFont typeface="Arial" panose="020B0604020202020204" pitchFamily="34" charset="0"/>
               <a:buChar char="•"/>
             </a:pPr>
@@ -5745,9 +5759,75 @@
             </a:r>
             <a:r>
               <a:rPr lang="es-ES" sz="1600" dirty="0" smtClean="0"/>
-              <a:t>: Datos a N-1.</a:t>
-            </a:r>
-            <a:endParaRPr lang="es-ES" sz="1600" dirty="0"/>
+              <a:t>: Datos a N-1</a:t>
+            </a:r>
+            <a:r>
+              <a:rPr lang="es-ES" sz="1600" dirty="0" smtClean="0"/>
+              <a:t>.</a:t>
+            </a:r>
+          </a:p>
+          <a:p>
+            <a:pPr marL="742950" lvl="1" indent="-285750">
+              <a:buFont typeface="Arial" panose="020B0604020202020204" pitchFamily="34" charset="0"/>
+              <a:buChar char="•"/>
+            </a:pPr>
+            <a:r>
+              <a:rPr lang="es-ES" sz="1600" dirty="0" smtClean="0"/>
+              <a:t>Ejecuciones horarias con tratamiento a nivel horario realizando </a:t>
+            </a:r>
+            <a:r>
+              <a:rPr lang="es-ES" sz="1600" dirty="0" err="1" smtClean="0"/>
+              <a:t>appends</a:t>
+            </a:r>
+            <a:r>
+              <a:rPr lang="es-ES" sz="1600" dirty="0" smtClean="0"/>
+              <a:t> sobre los </a:t>
+            </a:r>
+            <a:r>
+              <a:rPr lang="es-ES" sz="1600" dirty="0" err="1" smtClean="0"/>
+              <a:t>dataframes</a:t>
+            </a:r>
+            <a:r>
+              <a:rPr lang="es-ES" sz="1600" dirty="0" smtClean="0"/>
+              <a:t>.</a:t>
+            </a:r>
+          </a:p>
+          <a:p>
+            <a:pPr marL="1200150" lvl="2" indent="-285750">
+              <a:buFont typeface="Arial" panose="020B0604020202020204" pitchFamily="34" charset="0"/>
+              <a:buChar char="•"/>
+            </a:pPr>
+            <a:r>
+              <a:rPr lang="es-ES" sz="1600" dirty="0" smtClean="0"/>
+              <a:t>BBDD: Big </a:t>
+            </a:r>
+            <a:r>
+              <a:rPr lang="es-ES" sz="1600" dirty="0" err="1" smtClean="0"/>
+              <a:t>Query</a:t>
+            </a:r>
+            <a:r>
+              <a:rPr lang="es-ES" sz="1600" dirty="0" smtClean="0"/>
+              <a:t>, SAP Hana, IBM DB2.</a:t>
+            </a:r>
+          </a:p>
+          <a:p>
+            <a:pPr marL="1200150" lvl="2" indent="-285750">
+              <a:buFont typeface="Arial" panose="020B0604020202020204" pitchFamily="34" charset="0"/>
+              <a:buChar char="•"/>
+            </a:pPr>
+            <a:r>
+              <a:rPr lang="es-ES" sz="1600" dirty="0" smtClean="0"/>
+              <a:t>Origen </a:t>
+            </a:r>
+            <a:r>
+              <a:rPr lang="es-ES" sz="1600" dirty="0" err="1" smtClean="0"/>
+              <a:t>MicroStrategy</a:t>
+            </a:r>
+            <a:r>
+              <a:rPr lang="es-ES" sz="1600" smtClean="0"/>
+              <a:t>: BBDD</a:t>
+            </a:r>
+            <a:endParaRPr lang="es-ES" sz="1600" dirty="0" smtClean="0"/>
           </a:p>
         </p:txBody>
       </p:sp>
@@ -5767,8 +5847,8 @@
         </p:blipFill>
         <p:spPr>
           <a:xfrm>
-            <a:off x="5121547" y="1196649"/>
-            <a:ext cx="7070453" cy="4321752"/>
+            <a:off x="5476670" y="1196649"/>
+            <a:ext cx="6715330" cy="4321752"/>
           </a:xfrm>
           <a:prstGeom prst="rect">
             <a:avLst/>
@@ -6848,11 +6928,7 @@
             </a:pPr>
             <a:r>
               <a:rPr lang="es-ES" sz="1600" dirty="0" smtClean="0"/>
-              <a:t>El </a:t>
-            </a:r>
-            <a:r>
-              <a:rPr lang="es-ES" sz="1600" dirty="0" smtClean="0"/>
-              <a:t>propósito de proyecto es averiguar la opinión de los usuarios acerca de mi empresa</a:t>
+              <a:t>El propósito de proyecto es averiguar la opinión de los usuarios acerca de mi empresa</a:t>
             </a:r>
           </a:p>
           <a:p>
@@ -6874,7 +6950,6 @@
               <a:rPr lang="es-ES" sz="1600" dirty="0" smtClean="0"/>
               <a:t>¿Estamos ofreciendo un buen servicio?</a:t>
             </a:r>
-            <a:endParaRPr lang="es-ES" sz="1600" dirty="0" smtClean="0"/>
           </a:p>
           <a:p>
             <a:pPr marL="742950" lvl="1" indent="-285750">
@@ -6883,11 +6958,7 @@
             </a:pPr>
             <a:r>
               <a:rPr lang="es-ES" sz="1600" dirty="0" smtClean="0"/>
-              <a:t>¿Destino recursos en cierta área o en otra</a:t>
-            </a:r>
-            <a:r>
-              <a:rPr lang="es-ES" sz="1600" dirty="0" smtClean="0"/>
-              <a:t>?</a:t>
+              <a:t>¿Destino recursos en cierta área o en otra?</a:t>
             </a:r>
           </a:p>
           <a:p>
@@ -6899,7 +6970,6 @@
               <a:rPr lang="es-ES" sz="1600" dirty="0" smtClean="0"/>
               <a:t>¿Factores externos están afectando?</a:t>
             </a:r>
-            <a:endParaRPr lang="es-ES" sz="1600" dirty="0" smtClean="0"/>
           </a:p>
           <a:p>
             <a:pPr marL="742950" lvl="1" indent="-285750">
@@ -6938,19 +7008,7 @@
             </a:pPr>
             <a:r>
               <a:rPr lang="es-ES" sz="1600" dirty="0" smtClean="0"/>
-              <a:t>Extraer </a:t>
-            </a:r>
-            <a:r>
-              <a:rPr lang="es-ES" sz="1600" dirty="0" smtClean="0"/>
-              <a:t>todos los Tweets generados desde Enero 2020 a </a:t>
-            </a:r>
-            <a:r>
-              <a:rPr lang="es-ES" sz="1600" dirty="0" smtClean="0"/>
-              <a:t>Junio </a:t>
-            </a:r>
-            <a:r>
-              <a:rPr lang="es-ES" sz="1600" dirty="0" smtClean="0"/>
-              <a:t>2020 con la palabra clave </a:t>
+              <a:t>Extraer todos los Tweets generados desde Enero 2020 a Junio 2020 con la palabra clave </a:t>
             </a:r>
             <a:r>
               <a:rPr lang="es-ES" sz="1600" i="1" dirty="0" smtClean="0"/>
@@ -6968,11 +7026,7 @@
             </a:pPr>
             <a:r>
               <a:rPr lang="es-ES" sz="1600" dirty="0" smtClean="0"/>
-              <a:t>Analizar el sentimiento de dichos Tweets</a:t>
-            </a:r>
-            <a:r>
-              <a:rPr lang="es-ES" sz="1600" dirty="0" smtClean="0"/>
-              <a:t>.</a:t>
+              <a:t>Analizar el sentimiento de dichos Tweets.</a:t>
             </a:r>
           </a:p>
           <a:p>
@@ -6999,7 +7053,6 @@
               <a:rPr lang="es-ES" sz="1600" dirty="0" smtClean="0"/>
               <a:t>Análisis del Covid-19</a:t>
             </a:r>
-            <a:endParaRPr lang="es-ES" sz="1600" dirty="0" smtClean="0"/>
           </a:p>
         </p:txBody>
       </p:sp>
@@ -7695,13 +7748,8 @@
           <a:p>
             <a:r>
               <a:rPr lang="es-ES" sz="1600" dirty="0" smtClean="0"/>
-              <a:t>El objetivo del proyecto es conocer la opinión pública sobre los servicios que ha ofrecido mi empresa en </a:t>
-            </a:r>
-            <a:r>
-              <a:rPr lang="es-ES" sz="1600" dirty="0" smtClean="0"/>
-              <a:t>un periodo de tiempo determinado.</a:t>
-            </a:r>
-            <a:endParaRPr lang="es-ES" sz="1600" dirty="0" smtClean="0"/>
+              <a:t>El objetivo del proyecto es conocer la opinión pública sobre los servicios que ha ofrecido mi empresa en un periodo de tiempo determinado.</a:t>
+            </a:r>
           </a:p>
           <a:p>
             <a:endParaRPr lang="es-ES" sz="1600" dirty="0"/>
@@ -8427,15 +8475,7 @@
             </a:r>
             <a:r>
               <a:rPr lang="es-ES" sz="1600" dirty="0" smtClean="0"/>
-              <a:t> </a:t>
-            </a:r>
-            <a:r>
-              <a:rPr lang="es-ES" sz="1600" dirty="0" smtClean="0"/>
-              <a:t>+ GetOldTweets3 de </a:t>
-            </a:r>
-            <a:r>
-              <a:rPr lang="es-ES" sz="1600" dirty="0" smtClean="0"/>
-              <a:t>Python para poder acceder a la información de Twitter</a:t>
+              <a:t> + GetOldTweets3 de Python para poder acceder a la información de Twitter</a:t>
             </a:r>
           </a:p>
           <a:p>
@@ -8459,15 +8499,7 @@
             </a:pPr>
             <a:r>
               <a:rPr lang="es-ES" sz="1600" dirty="0" smtClean="0"/>
-              <a:t>Obtención de Tweets desde Enero 2020 a </a:t>
-            </a:r>
-            <a:r>
-              <a:rPr lang="es-ES" sz="1600" dirty="0" smtClean="0"/>
-              <a:t>Junio </a:t>
-            </a:r>
-            <a:r>
-              <a:rPr lang="es-ES" sz="1600" dirty="0" smtClean="0"/>
-              <a:t>2020</a:t>
+              <a:t>Obtención de Tweets desde Enero 2020 a Junio 2020</a:t>
             </a:r>
           </a:p>
           <a:p>
@@ -8566,7 +8598,6 @@
               <a:rPr lang="es-ES" sz="1600" dirty="0" smtClean="0"/>
               <a:t>()</a:t>
             </a:r>
-            <a:endParaRPr lang="es-ES" sz="1600" dirty="0" smtClean="0"/>
           </a:p>
           <a:p>
             <a:pPr lvl="2"/>
@@ -9153,7 +9184,6 @@
               <a:rPr lang="es-ES" sz="1600" dirty="0" smtClean="0"/>
               <a:t>Algoritmos NLP</a:t>
             </a:r>
-            <a:endParaRPr lang="es-ES" sz="1600" dirty="0" smtClean="0"/>
           </a:p>
           <a:p>
             <a:pPr marL="285750" indent="-285750">
@@ -9172,7 +9202,6 @@
               <a:rPr lang="es-ES" sz="1600" dirty="0" smtClean="0"/>
               <a:t>, NLTK y Google</a:t>
             </a:r>
-            <a:endParaRPr lang="es-ES" sz="1600" dirty="0" smtClean="0"/>
           </a:p>
           <a:p>
             <a:pPr marL="285750" indent="-285750">
@@ -9297,7 +9326,6 @@
               <a:rPr lang="es-ES" sz="1600" dirty="0" smtClean="0"/>
               <a:t>Se divide en una lista de palabras.</a:t>
             </a:r>
-            <a:endParaRPr lang="es-ES" sz="1600" dirty="0" smtClean="0"/>
           </a:p>
           <a:p>
             <a:pPr marL="742950" lvl="1" indent="-285750">
@@ -9808,11 +9836,7 @@
             </a:pPr>
             <a:r>
               <a:rPr lang="es-ES" sz="1600" dirty="0" smtClean="0"/>
-              <a:t>Análisis del Covid-</a:t>
-            </a:r>
-            <a:r>
-              <a:rPr lang="es-ES" sz="1600" dirty="0" smtClean="0"/>
-              <a:t>19</a:t>
+              <a:t>Análisis del Covid-19</a:t>
             </a:r>
           </a:p>
           <a:p>
@@ -9900,8 +9924,13 @@
             </a:pPr>
             <a:r>
               <a:rPr lang="es-ES" sz="1600" dirty="0" smtClean="0"/>
-              <a:t>Filtrado por Mes y Sentimiento</a:t>
-            </a:r>
+              <a:t>Filtrado por </a:t>
+            </a:r>
+            <a:r>
+              <a:rPr lang="es-ES" sz="1600" dirty="0" smtClean="0"/>
+              <a:t>Mes</a:t>
+            </a:r>
+            <a:endParaRPr lang="es-ES" sz="1600" dirty="0" smtClean="0"/>
           </a:p>
           <a:p>
             <a:pPr marL="742950" lvl="1" indent="-285750">
